--- a/ProletariatDAO_PRD.pptx
+++ b/ProletariatDAO_PRD.pptx
@@ -5,8 +5,27 @@
     <p:sldMasterId id="2147483648" r:id="rId1"/>
   </p:sldMasterIdLst>
   <p:sldIdLst>
-    <p:sldId id="256" r:id="rId2"/>
-    <p:sldId id="257" r:id="rId3"/>
+    <p:sldId id="257" r:id="rId2"/>
+    <p:sldId id="258" r:id="rId3"/>
+    <p:sldId id="259" r:id="rId4"/>
+    <p:sldId id="261" r:id="rId5"/>
+    <p:sldId id="260" r:id="rId6"/>
+    <p:sldId id="263" r:id="rId7"/>
+    <p:sldId id="264" r:id="rId8"/>
+    <p:sldId id="265" r:id="rId9"/>
+    <p:sldId id="266" r:id="rId10"/>
+    <p:sldId id="267" r:id="rId11"/>
+    <p:sldId id="268" r:id="rId12"/>
+    <p:sldId id="269" r:id="rId13"/>
+    <p:sldId id="270" r:id="rId14"/>
+    <p:sldId id="271" r:id="rId15"/>
+    <p:sldId id="272" r:id="rId16"/>
+    <p:sldId id="273" r:id="rId17"/>
+    <p:sldId id="274" r:id="rId18"/>
+    <p:sldId id="277" r:id="rId19"/>
+    <p:sldId id="256" r:id="rId20"/>
+    <p:sldId id="275" r:id="rId21"/>
+    <p:sldId id="276" r:id="rId22"/>
   </p:sldIdLst>
   <p:sldSz cx="12192000" cy="6858000"/>
   <p:notesSz cx="6858000" cy="9144000"/>
@@ -105,6 +124,11 @@
       </a:defRPr>
     </a:lvl9pPr>
   </p:defaultTextStyle>
+  <p:extLst>
+    <p:ext uri="{EFAFB233-063F-42B5-8137-9DF3F51BA10A}">
+      <p15:sldGuideLst xmlns:p15="http://schemas.microsoft.com/office/powerpoint/2012/main"/>
+    </p:ext>
+  </p:extLst>
 </p:presentation>
 </file>
 
@@ -255,7 +279,7 @@
           <a:p>
             <a:fld id="{06D46432-D19C-4F4F-96EF-7EB89B20429A}" type="datetimeFigureOut">
               <a:rPr lang="en-US" smtClean="0"/>
-              <a:t>1/15/2025</a:t>
+              <a:t>1/17/2025</a:t>
             </a:fld>
             <a:endParaRPr lang="en-US"/>
           </a:p>
@@ -453,7 +477,7 @@
           <a:p>
             <a:fld id="{06D46432-D19C-4F4F-96EF-7EB89B20429A}" type="datetimeFigureOut">
               <a:rPr lang="en-US" smtClean="0"/>
-              <a:t>1/15/2025</a:t>
+              <a:t>1/17/2025</a:t>
             </a:fld>
             <a:endParaRPr lang="en-US"/>
           </a:p>
@@ -661,7 +685,7 @@
           <a:p>
             <a:fld id="{06D46432-D19C-4F4F-96EF-7EB89B20429A}" type="datetimeFigureOut">
               <a:rPr lang="en-US" smtClean="0"/>
-              <a:t>1/15/2025</a:t>
+              <a:t>1/17/2025</a:t>
             </a:fld>
             <a:endParaRPr lang="en-US"/>
           </a:p>
@@ -859,7 +883,7 @@
           <a:p>
             <a:fld id="{06D46432-D19C-4F4F-96EF-7EB89B20429A}" type="datetimeFigureOut">
               <a:rPr lang="en-US" smtClean="0"/>
-              <a:t>1/15/2025</a:t>
+              <a:t>1/17/2025</a:t>
             </a:fld>
             <a:endParaRPr lang="en-US"/>
           </a:p>
@@ -1134,7 +1158,7 @@
           <a:p>
             <a:fld id="{06D46432-D19C-4F4F-96EF-7EB89B20429A}" type="datetimeFigureOut">
               <a:rPr lang="en-US" smtClean="0"/>
-              <a:t>1/15/2025</a:t>
+              <a:t>1/17/2025</a:t>
             </a:fld>
             <a:endParaRPr lang="en-US"/>
           </a:p>
@@ -1399,7 +1423,7 @@
           <a:p>
             <a:fld id="{06D46432-D19C-4F4F-96EF-7EB89B20429A}" type="datetimeFigureOut">
               <a:rPr lang="en-US" smtClean="0"/>
-              <a:t>1/15/2025</a:t>
+              <a:t>1/17/2025</a:t>
             </a:fld>
             <a:endParaRPr lang="en-US"/>
           </a:p>
@@ -1811,7 +1835,7 @@
           <a:p>
             <a:fld id="{06D46432-D19C-4F4F-96EF-7EB89B20429A}" type="datetimeFigureOut">
               <a:rPr lang="en-US" smtClean="0"/>
-              <a:t>1/15/2025</a:t>
+              <a:t>1/17/2025</a:t>
             </a:fld>
             <a:endParaRPr lang="en-US"/>
           </a:p>
@@ -1952,7 +1976,7 @@
           <a:p>
             <a:fld id="{06D46432-D19C-4F4F-96EF-7EB89B20429A}" type="datetimeFigureOut">
               <a:rPr lang="en-US" smtClean="0"/>
-              <a:t>1/15/2025</a:t>
+              <a:t>1/17/2025</a:t>
             </a:fld>
             <a:endParaRPr lang="en-US"/>
           </a:p>
@@ -2065,7 +2089,7 @@
           <a:p>
             <a:fld id="{06D46432-D19C-4F4F-96EF-7EB89B20429A}" type="datetimeFigureOut">
               <a:rPr lang="en-US" smtClean="0"/>
-              <a:t>1/15/2025</a:t>
+              <a:t>1/17/2025</a:t>
             </a:fld>
             <a:endParaRPr lang="en-US"/>
           </a:p>
@@ -2376,7 +2400,7 @@
           <a:p>
             <a:fld id="{06D46432-D19C-4F4F-96EF-7EB89B20429A}" type="datetimeFigureOut">
               <a:rPr lang="en-US" smtClean="0"/>
-              <a:t>1/15/2025</a:t>
+              <a:t>1/17/2025</a:t>
             </a:fld>
             <a:endParaRPr lang="en-US"/>
           </a:p>
@@ -2664,7 +2688,7 @@
           <a:p>
             <a:fld id="{06D46432-D19C-4F4F-96EF-7EB89B20429A}" type="datetimeFigureOut">
               <a:rPr lang="en-US" smtClean="0"/>
-              <a:t>1/15/2025</a:t>
+              <a:t>1/17/2025</a:t>
             </a:fld>
             <a:endParaRPr lang="en-US"/>
           </a:p>
@@ -2905,7 +2929,7 @@
           <a:p>
             <a:fld id="{06D46432-D19C-4F4F-96EF-7EB89B20429A}" type="datetimeFigureOut">
               <a:rPr lang="en-US" smtClean="0"/>
-              <a:t>1/15/2025</a:t>
+              <a:t>1/17/2025</a:t>
             </a:fld>
             <a:endParaRPr lang="en-US"/>
           </a:p>
@@ -3308,6 +3332,822 @@
 <file path=ppt/slides/slide1.xml><?xml version="1.0" encoding="utf-8"?>
 <p:sld xmlns:a="http://schemas.openxmlformats.org/drawingml/2006/main" xmlns:r="http://schemas.openxmlformats.org/officeDocument/2006/relationships" xmlns:p="http://schemas.openxmlformats.org/presentationml/2006/main">
   <p:cSld>
+    <p:bg>
+      <p:bgPr>
+        <a:solidFill>
+          <a:schemeClr val="tx1"/>
+        </a:solidFill>
+        <a:effectLst/>
+      </p:bgPr>
+    </p:bg>
+    <p:spTree>
+      <p:nvGrpSpPr>
+        <p:cNvPr id="1" name=""/>
+        <p:cNvGrpSpPr/>
+        <p:nvPr/>
+      </p:nvGrpSpPr>
+      <p:grpSpPr>
+        <a:xfrm>
+          <a:off x="0" y="0"/>
+          <a:ext cx="0" cy="0"/>
+          <a:chOff x="0" y="0"/>
+          <a:chExt cx="0" cy="0"/>
+        </a:xfrm>
+      </p:grpSpPr>
+      <p:sp>
+        <p:nvSpPr>
+          <p:cNvPr id="5" name="TextBox 4">
+            <a:extLst>
+              <a:ext uri="{FF2B5EF4-FFF2-40B4-BE49-F238E27FC236}">
+                <a16:creationId xmlns:a16="http://schemas.microsoft.com/office/drawing/2014/main" id="{A0B61052-65B0-429D-B03E-66D7725CA9E2}"/>
+              </a:ext>
+            </a:extLst>
+          </p:cNvPr>
+          <p:cNvSpPr txBox="1"/>
+          <p:nvPr/>
+        </p:nvSpPr>
+        <p:spPr>
+          <a:xfrm>
+            <a:off x="3048000" y="1030652"/>
+            <a:ext cx="6096000" cy="3139321"/>
+          </a:xfrm>
+          <a:prstGeom prst="rect">
+            <a:avLst/>
+          </a:prstGeom>
+          <a:noFill/>
+        </p:spPr>
+        <p:txBody>
+          <a:bodyPr wrap="square">
+            <a:spAutoFit/>
+          </a:bodyPr>
+          <a:lstStyle/>
+          <a:p>
+            <a:r>
+              <a:rPr lang="ru-RU" dirty="0">
+                <a:solidFill>
+                  <a:schemeClr val="accent6"/>
+                </a:solidFill>
+              </a:rPr>
+              <a:t>Рассмотрим очень упрощённую модель физического мира и концепцию совершения работы в нём. Есть планета. По этой планете разбросаны пульты с тремя кнопками (левая, средняя, правая). Пульты могут быть неподвижны сколько угодно. Или могут перемещаться как угодно, не нарушая законы физики. Это не имеет большого значения.</a:t>
+            </a:r>
+          </a:p>
+          <a:p>
+            <a:endParaRPr lang="ru-RU" dirty="0">
+              <a:solidFill>
+                <a:schemeClr val="accent6"/>
+              </a:solidFill>
+            </a:endParaRPr>
+          </a:p>
+          <a:p>
+            <a:r>
+              <a:rPr lang="ru-RU" dirty="0">
+                <a:solidFill>
+                  <a:schemeClr val="accent6"/>
+                </a:solidFill>
+              </a:rPr>
+              <a:t>Любая работа, которую в принципе можно совершить на планете, сводится к нажатию кнопок на определённом пульте, или нескольких пультах, в определённой последовательности, в определённом темпе.</a:t>
+            </a:r>
+            <a:endParaRPr lang="en-US" dirty="0">
+              <a:solidFill>
+                <a:schemeClr val="accent6"/>
+              </a:solidFill>
+            </a:endParaRPr>
+          </a:p>
+        </p:txBody>
+      </p:sp>
+    </p:spTree>
+    <p:extLst>
+      <p:ext uri="{BB962C8B-B14F-4D97-AF65-F5344CB8AC3E}">
+        <p14:creationId xmlns:p14="http://schemas.microsoft.com/office/powerpoint/2010/main" val="2844799649"/>
+      </p:ext>
+    </p:extLst>
+  </p:cSld>
+  <p:clrMapOvr>
+    <a:masterClrMapping/>
+  </p:clrMapOvr>
+</p:sld>
+</file>
+
+<file path=ppt/slides/slide10.xml><?xml version="1.0" encoding="utf-8"?>
+<p:sld xmlns:a="http://schemas.openxmlformats.org/drawingml/2006/main" xmlns:r="http://schemas.openxmlformats.org/officeDocument/2006/relationships" xmlns:p="http://schemas.openxmlformats.org/presentationml/2006/main">
+  <p:cSld>
+    <p:bg>
+      <p:bgPr>
+        <a:solidFill>
+          <a:schemeClr val="tx1"/>
+        </a:solidFill>
+        <a:effectLst/>
+      </p:bgPr>
+    </p:bg>
+    <p:spTree>
+      <p:nvGrpSpPr>
+        <p:cNvPr id="1" name=""/>
+        <p:cNvGrpSpPr/>
+        <p:nvPr/>
+      </p:nvGrpSpPr>
+      <p:grpSpPr>
+        <a:xfrm>
+          <a:off x="0" y="0"/>
+          <a:ext cx="0" cy="0"/>
+          <a:chOff x="0" y="0"/>
+          <a:chExt cx="0" cy="0"/>
+        </a:xfrm>
+      </p:grpSpPr>
+      <p:pic>
+        <p:nvPicPr>
+          <p:cNvPr id="3" name="Picture 2">
+            <a:extLst>
+              <a:ext uri="{FF2B5EF4-FFF2-40B4-BE49-F238E27FC236}">
+                <a16:creationId xmlns:a16="http://schemas.microsoft.com/office/drawing/2014/main" id="{4636745B-1F1B-4F40-BBE0-A90132C309F9}"/>
+              </a:ext>
+            </a:extLst>
+          </p:cNvPr>
+          <p:cNvPicPr>
+            <a:picLocks noChangeAspect="1"/>
+          </p:cNvPicPr>
+          <p:nvPr/>
+        </p:nvPicPr>
+        <p:blipFill>
+          <a:blip r:embed="rId2"/>
+          <a:stretch>
+            <a:fillRect/>
+          </a:stretch>
+        </p:blipFill>
+        <p:spPr>
+          <a:xfrm>
+            <a:off x="533400" y="614362"/>
+            <a:ext cx="11125200" cy="5629275"/>
+          </a:xfrm>
+          <a:prstGeom prst="rect">
+            <a:avLst/>
+          </a:prstGeom>
+        </p:spPr>
+      </p:pic>
+    </p:spTree>
+    <p:extLst>
+      <p:ext uri="{BB962C8B-B14F-4D97-AF65-F5344CB8AC3E}">
+        <p14:creationId xmlns:p14="http://schemas.microsoft.com/office/powerpoint/2010/main" val="1014163323"/>
+      </p:ext>
+    </p:extLst>
+  </p:cSld>
+  <p:clrMapOvr>
+    <a:masterClrMapping/>
+  </p:clrMapOvr>
+</p:sld>
+</file>
+
+<file path=ppt/slides/slide11.xml><?xml version="1.0" encoding="utf-8"?>
+<p:sld xmlns:a="http://schemas.openxmlformats.org/drawingml/2006/main" xmlns:r="http://schemas.openxmlformats.org/officeDocument/2006/relationships" xmlns:p="http://schemas.openxmlformats.org/presentationml/2006/main">
+  <p:cSld>
+    <p:bg>
+      <p:bgPr>
+        <a:solidFill>
+          <a:schemeClr val="tx1"/>
+        </a:solidFill>
+        <a:effectLst/>
+      </p:bgPr>
+    </p:bg>
+    <p:spTree>
+      <p:nvGrpSpPr>
+        <p:cNvPr id="1" name=""/>
+        <p:cNvGrpSpPr/>
+        <p:nvPr/>
+      </p:nvGrpSpPr>
+      <p:grpSpPr>
+        <a:xfrm>
+          <a:off x="0" y="0"/>
+          <a:ext cx="0" cy="0"/>
+          <a:chOff x="0" y="0"/>
+          <a:chExt cx="0" cy="0"/>
+        </a:xfrm>
+      </p:grpSpPr>
+      <p:sp>
+        <p:nvSpPr>
+          <p:cNvPr id="2" name="TextBox 1">
+            <a:extLst>
+              <a:ext uri="{FF2B5EF4-FFF2-40B4-BE49-F238E27FC236}">
+                <a16:creationId xmlns:a16="http://schemas.microsoft.com/office/drawing/2014/main" id="{2B4E6ECC-BE6C-49EB-9099-6CD9BFB6004E}"/>
+              </a:ext>
+            </a:extLst>
+          </p:cNvPr>
+          <p:cNvSpPr txBox="1"/>
+          <p:nvPr/>
+        </p:nvSpPr>
+        <p:spPr>
+          <a:xfrm>
+            <a:off x="2369127" y="864398"/>
+            <a:ext cx="7453745" cy="4524315"/>
+          </a:xfrm>
+          <a:prstGeom prst="rect">
+            <a:avLst/>
+          </a:prstGeom>
+          <a:noFill/>
+        </p:spPr>
+        <p:txBody>
+          <a:bodyPr wrap="square">
+            <a:spAutoFit/>
+          </a:bodyPr>
+          <a:lstStyle/>
+          <a:p>
+            <a:r>
+              <a:rPr lang="ru-RU" dirty="0">
+                <a:solidFill>
+                  <a:schemeClr val="accent6"/>
+                </a:solidFill>
+              </a:rPr>
+              <a:t>Ещё варианты:</a:t>
+            </a:r>
+          </a:p>
+          <a:p>
+            <a:endParaRPr lang="ru-RU" dirty="0">
+              <a:solidFill>
+                <a:schemeClr val="accent6"/>
+              </a:solidFill>
+            </a:endParaRPr>
+          </a:p>
+          <a:p>
+            <a:pPr marL="342900" indent="-342900">
+              <a:buAutoNum type="arabicPeriod"/>
+            </a:pPr>
+            <a:r>
+              <a:rPr lang="ru-RU" dirty="0">
+                <a:solidFill>
+                  <a:schemeClr val="accent6"/>
+                </a:solidFill>
+              </a:rPr>
+              <a:t>Валентин всё сделал чотко и точно. Отослал репорт. Извержение началось в срок. Деньги не приходят. Валентин пишет Джимми. Джимми не отвечает. Валентин покупает свежий номер Нью-Йорк Таймс и в разделе «Криминальная хроника» читает: Скинхеды зарезали бомжа под мостом...</a:t>
+            </a:r>
+          </a:p>
+          <a:p>
+            <a:pPr marL="342900" indent="-342900">
+              <a:buAutoNum type="arabicPeriod"/>
+            </a:pPr>
+            <a:endParaRPr lang="ru-RU" dirty="0">
+              <a:solidFill>
+                <a:schemeClr val="accent6"/>
+              </a:solidFill>
+            </a:endParaRPr>
+          </a:p>
+          <a:p>
+            <a:pPr marL="342900" indent="-342900">
+              <a:buAutoNum type="arabicPeriod"/>
+            </a:pPr>
+            <a:r>
+              <a:rPr lang="ru-RU" dirty="0">
+                <a:solidFill>
+                  <a:schemeClr val="accent6"/>
+                </a:solidFill>
+              </a:rPr>
+              <a:t>Джимми отослал Валентину ТЗ. Перевёл половину денег. Ждёт очёта. Отчёта всё нет. Извержения нет. Валентин не отвечает. Оказалось по дороге на работу, Валентина сбил автобус. Не насмерть. Но обе руки у Валентина сломаны, а пальцами ног, как оказалось, он кнопки пульта нажимать не умеет.</a:t>
+            </a:r>
+          </a:p>
+          <a:p>
+            <a:pPr marL="342900" indent="-342900">
+              <a:buAutoNum type="arabicPeriod"/>
+            </a:pPr>
+            <a:endParaRPr lang="ru-RU" dirty="0">
+              <a:solidFill>
+                <a:schemeClr val="accent6"/>
+              </a:solidFill>
+            </a:endParaRPr>
+          </a:p>
+          <a:p>
+            <a:pPr marL="342900" indent="-342900">
+              <a:buAutoNum type="arabicPeriod"/>
+            </a:pPr>
+            <a:r>
+              <a:rPr lang="ru-RU" dirty="0">
+                <a:solidFill>
+                  <a:schemeClr val="accent6"/>
+                </a:solidFill>
+              </a:rPr>
+              <a:t>Ну и можно придумать ещё много кейсов, во всём диапазоне от форс-мажора до тупого кидалова с любой из сторон.</a:t>
+            </a:r>
+            <a:endParaRPr lang="en-US" dirty="0">
+              <a:solidFill>
+                <a:schemeClr val="accent6"/>
+              </a:solidFill>
+            </a:endParaRPr>
+          </a:p>
+        </p:txBody>
+      </p:sp>
+    </p:spTree>
+    <p:extLst>
+      <p:ext uri="{BB962C8B-B14F-4D97-AF65-F5344CB8AC3E}">
+        <p14:creationId xmlns:p14="http://schemas.microsoft.com/office/powerpoint/2010/main" val="3060638433"/>
+      </p:ext>
+    </p:extLst>
+  </p:cSld>
+  <p:clrMapOvr>
+    <a:masterClrMapping/>
+  </p:clrMapOvr>
+</p:sld>
+</file>
+
+<file path=ppt/slides/slide12.xml><?xml version="1.0" encoding="utf-8"?>
+<p:sld xmlns:a="http://schemas.openxmlformats.org/drawingml/2006/main" xmlns:r="http://schemas.openxmlformats.org/officeDocument/2006/relationships" xmlns:p="http://schemas.openxmlformats.org/presentationml/2006/main">
+  <p:cSld>
+    <p:bg>
+      <p:bgPr>
+        <a:solidFill>
+          <a:schemeClr val="tx1"/>
+        </a:solidFill>
+        <a:effectLst/>
+      </p:bgPr>
+    </p:bg>
+    <p:spTree>
+      <p:nvGrpSpPr>
+        <p:cNvPr id="1" name=""/>
+        <p:cNvGrpSpPr/>
+        <p:nvPr/>
+      </p:nvGrpSpPr>
+      <p:grpSpPr>
+        <a:xfrm>
+          <a:off x="0" y="0"/>
+          <a:ext cx="0" cy="0"/>
+          <a:chOff x="0" y="0"/>
+          <a:chExt cx="0" cy="0"/>
+        </a:xfrm>
+      </p:grpSpPr>
+      <p:sp>
+        <p:nvSpPr>
+          <p:cNvPr id="2" name="TextBox 1">
+            <a:extLst>
+              <a:ext uri="{FF2B5EF4-FFF2-40B4-BE49-F238E27FC236}">
+                <a16:creationId xmlns:a16="http://schemas.microsoft.com/office/drawing/2014/main" id="{2B4E6ECC-BE6C-49EB-9099-6CD9BFB6004E}"/>
+              </a:ext>
+            </a:extLst>
+          </p:cNvPr>
+          <p:cNvSpPr txBox="1"/>
+          <p:nvPr/>
+        </p:nvSpPr>
+        <p:spPr>
+          <a:xfrm>
+            <a:off x="2369127" y="751344"/>
+            <a:ext cx="7453745" cy="5355312"/>
+          </a:xfrm>
+          <a:prstGeom prst="rect">
+            <a:avLst/>
+          </a:prstGeom>
+          <a:noFill/>
+        </p:spPr>
+        <p:txBody>
+          <a:bodyPr wrap="square">
+            <a:spAutoFit/>
+          </a:bodyPr>
+          <a:lstStyle/>
+          <a:p>
+            <a:r>
+              <a:rPr lang="ru-RU" dirty="0">
+                <a:solidFill>
+                  <a:schemeClr val="accent6"/>
+                </a:solidFill>
+              </a:rPr>
+              <a:t>Есть ли какой-нибудь универсальный ответ на все эти сто бед? На мой взгляд – есть. Этот ответ – блокчейн.</a:t>
+            </a:r>
+          </a:p>
+          <a:p>
+            <a:endParaRPr lang="ru-RU" dirty="0">
+              <a:solidFill>
+                <a:schemeClr val="accent6"/>
+              </a:solidFill>
+            </a:endParaRPr>
+          </a:p>
+          <a:p>
+            <a:r>
+              <a:rPr lang="ru-RU" dirty="0">
+                <a:solidFill>
+                  <a:schemeClr val="accent6"/>
+                </a:solidFill>
+              </a:rPr>
+              <a:t>Напомню, что мы сейчас находимся в рамках нашего упрощённого, модельного мира и решаем (только) его проблемы.</a:t>
+            </a:r>
+          </a:p>
+          <a:p>
+            <a:endParaRPr lang="ru-RU" dirty="0">
+              <a:solidFill>
+                <a:schemeClr val="accent6"/>
+              </a:solidFill>
+            </a:endParaRPr>
+          </a:p>
+          <a:p>
+            <a:r>
+              <a:rPr lang="ru-RU" dirty="0">
+                <a:solidFill>
+                  <a:schemeClr val="accent6"/>
+                </a:solidFill>
+              </a:rPr>
+              <a:t>Первое – присваиваем каждому пульту уникальный адрес сети блокчейн и через софтовую прокладку по </a:t>
+            </a:r>
+            <a:r>
+              <a:rPr lang="en-US" dirty="0">
+                <a:solidFill>
+                  <a:schemeClr val="accent6"/>
+                </a:solidFill>
+              </a:rPr>
+              <a:t>API</a:t>
+            </a:r>
+            <a:r>
+              <a:rPr lang="ru-RU" dirty="0">
+                <a:solidFill>
+                  <a:schemeClr val="accent6"/>
+                </a:solidFill>
+              </a:rPr>
+              <a:t> подключаем к смарт-контракту. Отныне, каждое изменение состояния кнопки транслируется в вызов функции смарт-контракта, которая просто фиксирует событие в логе. Эту информацию невозможно скомпрометировать, то есть, невозможно подменить, скорректировать, удалить. Если на пульте 666 сегодня в 15:00 нажималась левая кнопка, значить информация об этом будет в сети. Если этой информации нет в сети, значит, считаем, что не нажималась.</a:t>
+            </a:r>
+          </a:p>
+          <a:p>
+            <a:endParaRPr lang="ru-RU" dirty="0">
+              <a:solidFill>
+                <a:schemeClr val="accent6"/>
+              </a:solidFill>
+            </a:endParaRPr>
+          </a:p>
+          <a:p>
+            <a:r>
+              <a:rPr lang="ru-RU" dirty="0">
+                <a:solidFill>
+                  <a:schemeClr val="accent6"/>
+                </a:solidFill>
+              </a:rPr>
+              <a:t>То есть, если при проверке лога пульта 666 оказывается, что Валентин всё выполнил по ТЗ, но извержения нет, значит, либо связь пульт-вулкан не работает, либо вулкан сломался. Но Валентин свою работу выполнил. А значит, должен сполна получить своё вознаграждение.</a:t>
+            </a:r>
+            <a:endParaRPr lang="en-US" dirty="0">
+              <a:solidFill>
+                <a:schemeClr val="accent6"/>
+              </a:solidFill>
+            </a:endParaRPr>
+          </a:p>
+        </p:txBody>
+      </p:sp>
+    </p:spTree>
+    <p:extLst>
+      <p:ext uri="{BB962C8B-B14F-4D97-AF65-F5344CB8AC3E}">
+        <p14:creationId xmlns:p14="http://schemas.microsoft.com/office/powerpoint/2010/main" val="416054903"/>
+      </p:ext>
+    </p:extLst>
+  </p:cSld>
+  <p:clrMapOvr>
+    <a:masterClrMapping/>
+  </p:clrMapOvr>
+</p:sld>
+</file>
+
+<file path=ppt/slides/slide13.xml><?xml version="1.0" encoding="utf-8"?>
+<p:sld xmlns:a="http://schemas.openxmlformats.org/drawingml/2006/main" xmlns:r="http://schemas.openxmlformats.org/officeDocument/2006/relationships" xmlns:p="http://schemas.openxmlformats.org/presentationml/2006/main">
+  <p:cSld>
+    <p:bg>
+      <p:bgPr>
+        <a:solidFill>
+          <a:schemeClr val="tx1"/>
+        </a:solidFill>
+        <a:effectLst/>
+      </p:bgPr>
+    </p:bg>
+    <p:spTree>
+      <p:nvGrpSpPr>
+        <p:cNvPr id="1" name=""/>
+        <p:cNvGrpSpPr/>
+        <p:nvPr/>
+      </p:nvGrpSpPr>
+      <p:grpSpPr>
+        <a:xfrm>
+          <a:off x="0" y="0"/>
+          <a:ext cx="0" cy="0"/>
+          <a:chOff x="0" y="0"/>
+          <a:chExt cx="0" cy="0"/>
+        </a:xfrm>
+      </p:grpSpPr>
+      <p:pic>
+        <p:nvPicPr>
+          <p:cNvPr id="3" name="Picture 2">
+            <a:extLst>
+              <a:ext uri="{FF2B5EF4-FFF2-40B4-BE49-F238E27FC236}">
+                <a16:creationId xmlns:a16="http://schemas.microsoft.com/office/drawing/2014/main" id="{EC7146A0-566A-468F-A6AE-0BF7F86BFA2C}"/>
+              </a:ext>
+            </a:extLst>
+          </p:cNvPr>
+          <p:cNvPicPr>
+            <a:picLocks noChangeAspect="1"/>
+          </p:cNvPicPr>
+          <p:nvPr/>
+        </p:nvPicPr>
+        <p:blipFill>
+          <a:blip r:embed="rId2"/>
+          <a:stretch>
+            <a:fillRect/>
+          </a:stretch>
+        </p:blipFill>
+        <p:spPr>
+          <a:xfrm>
+            <a:off x="1905000" y="695325"/>
+            <a:ext cx="8382000" cy="5467350"/>
+          </a:xfrm>
+          <a:prstGeom prst="rect">
+            <a:avLst/>
+          </a:prstGeom>
+        </p:spPr>
+      </p:pic>
+    </p:spTree>
+    <p:extLst>
+      <p:ext uri="{BB962C8B-B14F-4D97-AF65-F5344CB8AC3E}">
+        <p14:creationId xmlns:p14="http://schemas.microsoft.com/office/powerpoint/2010/main" val="2405282477"/>
+      </p:ext>
+    </p:extLst>
+  </p:cSld>
+  <p:clrMapOvr>
+    <a:masterClrMapping/>
+  </p:clrMapOvr>
+</p:sld>
+</file>
+
+<file path=ppt/slides/slide14.xml><?xml version="1.0" encoding="utf-8"?>
+<p:sld xmlns:a="http://schemas.openxmlformats.org/drawingml/2006/main" xmlns:r="http://schemas.openxmlformats.org/officeDocument/2006/relationships" xmlns:p="http://schemas.openxmlformats.org/presentationml/2006/main">
+  <p:cSld>
+    <p:bg>
+      <p:bgPr>
+        <a:solidFill>
+          <a:schemeClr val="tx1"/>
+        </a:solidFill>
+        <a:effectLst/>
+      </p:bgPr>
+    </p:bg>
+    <p:spTree>
+      <p:nvGrpSpPr>
+        <p:cNvPr id="1" name=""/>
+        <p:cNvGrpSpPr/>
+        <p:nvPr/>
+      </p:nvGrpSpPr>
+      <p:grpSpPr>
+        <a:xfrm>
+          <a:off x="0" y="0"/>
+          <a:ext cx="0" cy="0"/>
+          <a:chOff x="0" y="0"/>
+          <a:chExt cx="0" cy="0"/>
+        </a:xfrm>
+      </p:grpSpPr>
+      <p:sp>
+        <p:nvSpPr>
+          <p:cNvPr id="2" name="TextBox 1">
+            <a:extLst>
+              <a:ext uri="{FF2B5EF4-FFF2-40B4-BE49-F238E27FC236}">
+                <a16:creationId xmlns:a16="http://schemas.microsoft.com/office/drawing/2014/main" id="{2B4E6ECC-BE6C-49EB-9099-6CD9BFB6004E}"/>
+              </a:ext>
+            </a:extLst>
+          </p:cNvPr>
+          <p:cNvSpPr txBox="1"/>
+          <p:nvPr/>
+        </p:nvSpPr>
+        <p:spPr>
+          <a:xfrm>
+            <a:off x="2369127" y="864398"/>
+            <a:ext cx="7453745" cy="4801314"/>
+          </a:xfrm>
+          <a:prstGeom prst="rect">
+            <a:avLst/>
+          </a:prstGeom>
+          <a:noFill/>
+        </p:spPr>
+        <p:txBody>
+          <a:bodyPr wrap="square">
+            <a:spAutoFit/>
+          </a:bodyPr>
+          <a:lstStyle/>
+          <a:p>
+            <a:r>
+              <a:rPr lang="ru-RU" dirty="0">
+                <a:solidFill>
+                  <a:schemeClr val="accent6"/>
+                </a:solidFill>
+              </a:rPr>
+              <a:t>Второе – делаем глобальную «биржу труда» на базе децентрализованного приложения (смарт-контракт или несколько взаимодействующих смарт-контрактов, плюс, офф-чейн бэкенд/фронтенд, что душа пожелает). Как вариант, профилем здесь может быть </a:t>
+            </a:r>
+            <a:r>
+              <a:rPr lang="en-US" dirty="0">
+                <a:solidFill>
+                  <a:schemeClr val="accent6"/>
+                </a:solidFill>
+              </a:rPr>
+              <a:t>NFT</a:t>
+            </a:r>
+            <a:r>
+              <a:rPr lang="ru-RU" dirty="0">
+                <a:solidFill>
+                  <a:schemeClr val="accent6"/>
+                </a:solidFill>
+              </a:rPr>
+              <a:t>, которым владеет конкретная персона. Этот профиль может размещаться на бирже (депонироваться на смарт-контракте), изыматься из депо, меняться, настраиваться и т.д. Важно, что сама биржа (децентрализованное приложение) никому не принадлежит. Никто не может, никаким образом вмешаться в логику её работы (алгоритм, релизованный в смарт-контракте). Никто не может ничего сделать с профилями </a:t>
+            </a:r>
+            <a:r>
+              <a:rPr lang="en-US" dirty="0">
+                <a:solidFill>
+                  <a:schemeClr val="accent6"/>
+                </a:solidFill>
+              </a:rPr>
+              <a:t>(NFT) </a:t>
+            </a:r>
+            <a:r>
+              <a:rPr lang="ru-RU" dirty="0">
+                <a:solidFill>
+                  <a:schemeClr val="accent6"/>
+                </a:solidFill>
+              </a:rPr>
+              <a:t>участников, кроме самих владельцев.</a:t>
+            </a:r>
+          </a:p>
+          <a:p>
+            <a:endParaRPr lang="ru-RU" dirty="0">
+              <a:solidFill>
+                <a:schemeClr val="accent6"/>
+              </a:solidFill>
+            </a:endParaRPr>
+          </a:p>
+          <a:p>
+            <a:r>
+              <a:rPr lang="ru-RU" dirty="0">
+                <a:solidFill>
+                  <a:schemeClr val="accent6"/>
+                </a:solidFill>
+              </a:rPr>
+              <a:t>Начальник охранки, да хоть президент, любой страны может делать что угодно. Хоть наизнанку вывернуться. Всем будет на это абсолютно начхать. Биржа и профили участников на ней будут целые, невредимые, не скомпрометированные до тех пор, пока будет существовать блокчейн. То есть, вечно.</a:t>
+            </a:r>
+            <a:endParaRPr lang="en-US" dirty="0">
+              <a:solidFill>
+                <a:schemeClr val="accent6"/>
+              </a:solidFill>
+            </a:endParaRPr>
+          </a:p>
+        </p:txBody>
+      </p:sp>
+    </p:spTree>
+    <p:extLst>
+      <p:ext uri="{BB962C8B-B14F-4D97-AF65-F5344CB8AC3E}">
+        <p14:creationId xmlns:p14="http://schemas.microsoft.com/office/powerpoint/2010/main" val="1991830386"/>
+      </p:ext>
+    </p:extLst>
+  </p:cSld>
+  <p:clrMapOvr>
+    <a:masterClrMapping/>
+  </p:clrMapOvr>
+</p:sld>
+</file>
+
+<file path=ppt/slides/slide15.xml><?xml version="1.0" encoding="utf-8"?>
+<p:sld xmlns:a="http://schemas.openxmlformats.org/drawingml/2006/main" xmlns:r="http://schemas.openxmlformats.org/officeDocument/2006/relationships" xmlns:p="http://schemas.openxmlformats.org/presentationml/2006/main">
+  <p:cSld>
+    <p:bg>
+      <p:bgPr>
+        <a:solidFill>
+          <a:schemeClr val="tx1"/>
+        </a:solidFill>
+        <a:effectLst/>
+      </p:bgPr>
+    </p:bg>
+    <p:spTree>
+      <p:nvGrpSpPr>
+        <p:cNvPr id="1" name=""/>
+        <p:cNvGrpSpPr/>
+        <p:nvPr/>
+      </p:nvGrpSpPr>
+      <p:grpSpPr>
+        <a:xfrm>
+          <a:off x="0" y="0"/>
+          <a:ext cx="0" cy="0"/>
+          <a:chOff x="0" y="0"/>
+          <a:chExt cx="0" cy="0"/>
+        </a:xfrm>
+      </p:grpSpPr>
+      <p:pic>
+        <p:nvPicPr>
+          <p:cNvPr id="7" name="Picture 6">
+            <a:extLst>
+              <a:ext uri="{FF2B5EF4-FFF2-40B4-BE49-F238E27FC236}">
+                <a16:creationId xmlns:a16="http://schemas.microsoft.com/office/drawing/2014/main" id="{E0150DE1-1E15-4C61-A721-4BF348604B95}"/>
+              </a:ext>
+            </a:extLst>
+          </p:cNvPr>
+          <p:cNvPicPr>
+            <a:picLocks noChangeAspect="1"/>
+          </p:cNvPicPr>
+          <p:nvPr/>
+        </p:nvPicPr>
+        <p:blipFill>
+          <a:blip r:embed="rId2"/>
+          <a:stretch>
+            <a:fillRect/>
+          </a:stretch>
+        </p:blipFill>
+        <p:spPr>
+          <a:xfrm>
+            <a:off x="804862" y="361950"/>
+            <a:ext cx="10582275" cy="6134100"/>
+          </a:xfrm>
+          <a:prstGeom prst="rect">
+            <a:avLst/>
+          </a:prstGeom>
+        </p:spPr>
+      </p:pic>
+    </p:spTree>
+    <p:extLst>
+      <p:ext uri="{BB962C8B-B14F-4D97-AF65-F5344CB8AC3E}">
+        <p14:creationId xmlns:p14="http://schemas.microsoft.com/office/powerpoint/2010/main" val="29292413"/>
+      </p:ext>
+    </p:extLst>
+  </p:cSld>
+  <p:clrMapOvr>
+    <a:masterClrMapping/>
+  </p:clrMapOvr>
+</p:sld>
+</file>
+
+<file path=ppt/slides/slide16.xml><?xml version="1.0" encoding="utf-8"?>
+<p:sld xmlns:a="http://schemas.openxmlformats.org/drawingml/2006/main" xmlns:r="http://schemas.openxmlformats.org/officeDocument/2006/relationships" xmlns:p="http://schemas.openxmlformats.org/presentationml/2006/main">
+  <p:cSld>
+    <p:bg>
+      <p:bgPr>
+        <a:solidFill>
+          <a:schemeClr val="tx1"/>
+        </a:solidFill>
+        <a:effectLst/>
+      </p:bgPr>
+    </p:bg>
+    <p:spTree>
+      <p:nvGrpSpPr>
+        <p:cNvPr id="1" name=""/>
+        <p:cNvGrpSpPr/>
+        <p:nvPr/>
+      </p:nvGrpSpPr>
+      <p:grpSpPr>
+        <a:xfrm>
+          <a:off x="0" y="0"/>
+          <a:ext cx="0" cy="0"/>
+          <a:chOff x="0" y="0"/>
+          <a:chExt cx="0" cy="0"/>
+        </a:xfrm>
+      </p:grpSpPr>
+      <p:sp>
+        <p:nvSpPr>
+          <p:cNvPr id="2" name="TextBox 1">
+            <a:extLst>
+              <a:ext uri="{FF2B5EF4-FFF2-40B4-BE49-F238E27FC236}">
+                <a16:creationId xmlns:a16="http://schemas.microsoft.com/office/drawing/2014/main" id="{2B4E6ECC-BE6C-49EB-9099-6CD9BFB6004E}"/>
+              </a:ext>
+            </a:extLst>
+          </p:cNvPr>
+          <p:cNvSpPr txBox="1"/>
+          <p:nvPr/>
+        </p:nvSpPr>
+        <p:spPr>
+          <a:xfrm>
+            <a:off x="2369127" y="653218"/>
+            <a:ext cx="7453745" cy="5355312"/>
+          </a:xfrm>
+          <a:prstGeom prst="rect">
+            <a:avLst/>
+          </a:prstGeom>
+          <a:noFill/>
+        </p:spPr>
+        <p:txBody>
+          <a:bodyPr wrap="square">
+            <a:spAutoFit/>
+          </a:bodyPr>
+          <a:lstStyle/>
+          <a:p>
+            <a:r>
+              <a:rPr lang="ru-RU" dirty="0">
+                <a:solidFill>
+                  <a:schemeClr val="accent6"/>
+                </a:solidFill>
+              </a:rPr>
+              <a:t>Третье – все отношения по выполнению/подтверждению/оплате работы происходят в рамках децентрализованной автономной организации (то есть, те же децентрализованные приложения, смарт-контракты). Например, такая схема: заказчик и исполнитель договорились о работе, вознаграждении и т.п. Заказчик депонирует сумму вознаграждения на смарт-контракте. Исполнитель делает работу, отчитывается. Заказчик запрашивает лог пульта (пультов). Если у заказчика не возникают вопросы по отчётам и логам, он их акцептует и смарт-контракт переводит деньги на кошелёк исполнителя. Если по истечении тайм-аута исполнитель не представил отчёт, смарт-контракт возвращает депозит на кошелёк заказчика. Главный вопрос, который при этом возникает, конечно – что делать если возник конфликт в интерпретации отчёта и логов между исполнителем и заказчиком. Поскольку в нашем простом модельном мире как ТЗ, так и отчёты могут (должны) быть предельно формализованы, не составит труда сделать автоматизированного арбитра на основе МЛ, ИИ, или даже какого-нибудь примитивного детерминированного семантического алгоритма. Конечно, все, и заказчики, и исполнители заранее, на старте подписывают согласие с решениями такого робота-судьи.</a:t>
+            </a:r>
+          </a:p>
+        </p:txBody>
+      </p:sp>
+    </p:spTree>
+    <p:extLst>
+      <p:ext uri="{BB962C8B-B14F-4D97-AF65-F5344CB8AC3E}">
+        <p14:creationId xmlns:p14="http://schemas.microsoft.com/office/powerpoint/2010/main" val="590571596"/>
+      </p:ext>
+    </p:extLst>
+  </p:cSld>
+  <p:clrMapOvr>
+    <a:masterClrMapping/>
+  </p:clrMapOvr>
+</p:sld>
+</file>
+
+<file path=ppt/slides/slide17.xml><?xml version="1.0" encoding="utf-8"?>
+<p:sld xmlns:a="http://schemas.openxmlformats.org/drawingml/2006/main" xmlns:r="http://schemas.openxmlformats.org/officeDocument/2006/relationships" xmlns:p="http://schemas.openxmlformats.org/presentationml/2006/main">
+  <p:cSld>
+    <p:bg>
+      <p:bgPr>
+        <a:solidFill>
+          <a:schemeClr val="tx1"/>
+        </a:solidFill>
+        <a:effectLst/>
+      </p:bgPr>
+    </p:bg>
     <p:spTree>
       <p:nvGrpSpPr>
         <p:cNvPr id="1" name=""/>
@@ -3327,7 +4167,7 @@
           <p:cNvPr id="5" name="Picture 4">
             <a:extLst>
               <a:ext uri="{FF2B5EF4-FFF2-40B4-BE49-F238E27FC236}">
-                <a16:creationId xmlns:a16="http://schemas.microsoft.com/office/drawing/2014/main" id="{5EEE83C5-B447-40DF-BBEA-F5183FE70AB6}"/>
+                <a16:creationId xmlns:a16="http://schemas.microsoft.com/office/drawing/2014/main" id="{54D83311-0A63-4734-A1DB-272DF74CC906}"/>
               </a:ext>
             </a:extLst>
           </p:cNvPr>
@@ -3344,8 +4184,181 @@
         </p:blipFill>
         <p:spPr>
           <a:xfrm>
-            <a:off x="3120385" y="0"/>
-            <a:ext cx="5951230" cy="6858000"/>
+            <a:off x="1673926" y="0"/>
+            <a:ext cx="8844148" cy="6858000"/>
+          </a:xfrm>
+          <a:prstGeom prst="rect">
+            <a:avLst/>
+          </a:prstGeom>
+        </p:spPr>
+      </p:pic>
+    </p:spTree>
+    <p:extLst>
+      <p:ext uri="{BB962C8B-B14F-4D97-AF65-F5344CB8AC3E}">
+        <p14:creationId xmlns:p14="http://schemas.microsoft.com/office/powerpoint/2010/main" val="2490338301"/>
+      </p:ext>
+    </p:extLst>
+  </p:cSld>
+  <p:clrMapOvr>
+    <a:masterClrMapping/>
+  </p:clrMapOvr>
+</p:sld>
+</file>
+
+<file path=ppt/slides/slide18.xml><?xml version="1.0" encoding="utf-8"?>
+<p:sld xmlns:a="http://schemas.openxmlformats.org/drawingml/2006/main" xmlns:r="http://schemas.openxmlformats.org/officeDocument/2006/relationships" xmlns:p="http://schemas.openxmlformats.org/presentationml/2006/main">
+  <p:cSld>
+    <p:bg>
+      <p:bgPr>
+        <a:solidFill>
+          <a:schemeClr val="tx1"/>
+        </a:solidFill>
+        <a:effectLst/>
+      </p:bgPr>
+    </p:bg>
+    <p:spTree>
+      <p:nvGrpSpPr>
+        <p:cNvPr id="1" name=""/>
+        <p:cNvGrpSpPr/>
+        <p:nvPr/>
+      </p:nvGrpSpPr>
+      <p:grpSpPr>
+        <a:xfrm>
+          <a:off x="0" y="0"/>
+          <a:ext cx="0" cy="0"/>
+          <a:chOff x="0" y="0"/>
+          <a:chExt cx="0" cy="0"/>
+        </a:xfrm>
+      </p:grpSpPr>
+      <p:sp>
+        <p:nvSpPr>
+          <p:cNvPr id="2" name="TextBox 1">
+            <a:extLst>
+              <a:ext uri="{FF2B5EF4-FFF2-40B4-BE49-F238E27FC236}">
+                <a16:creationId xmlns:a16="http://schemas.microsoft.com/office/drawing/2014/main" id="{2B4E6ECC-BE6C-49EB-9099-6CD9BFB6004E}"/>
+              </a:ext>
+            </a:extLst>
+          </p:cNvPr>
+          <p:cNvSpPr txBox="1"/>
+          <p:nvPr/>
+        </p:nvSpPr>
+        <p:spPr>
+          <a:xfrm>
+            <a:off x="2369127" y="653218"/>
+            <a:ext cx="7453745" cy="923330"/>
+          </a:xfrm>
+          <a:prstGeom prst="rect">
+            <a:avLst/>
+          </a:prstGeom>
+          <a:noFill/>
+        </p:spPr>
+        <p:txBody>
+          <a:bodyPr wrap="square">
+            <a:spAutoFit/>
+          </a:bodyPr>
+          <a:lstStyle/>
+          <a:p>
+            <a:pPr marL="0" algn="l" rtl="0" eaLnBrk="1" latinLnBrk="0" hangingPunct="1">
+              <a:spcBef>
+                <a:spcPts val="0"/>
+              </a:spcBef>
+              <a:spcAft>
+                <a:spcPts val="0"/>
+              </a:spcAft>
+            </a:pPr>
+            <a:endParaRPr lang="en-US" dirty="0">
+              <a:effectLst/>
+            </a:endParaRPr>
+          </a:p>
+          <a:p>
+            <a:pPr marL="0" algn="l" rtl="0" eaLnBrk="1" latinLnBrk="0" hangingPunct="1">
+              <a:spcBef>
+                <a:spcPts val="0"/>
+              </a:spcBef>
+              <a:spcAft>
+                <a:spcPts val="0"/>
+              </a:spcAft>
+            </a:pPr>
+            <a:r>
+              <a:rPr lang="ru-RU" sz="1800" kern="1200" dirty="0">
+                <a:solidFill>
+                  <a:srgbClr val="70AD47"/>
+                </a:solidFill>
+                <a:effectLst/>
+                <a:latin typeface="Calibri" panose="020F0502020204030204" pitchFamily="34" charset="0"/>
+                <a:ea typeface="+mn-ea"/>
+                <a:cs typeface="+mn-cs"/>
+              </a:rPr>
+              <a:t>Четвёртое – все расчёты производятся в криптовалюте. Быстро, надёжно, децентрализованно, прозрачно. С использованием смарт-контрактов.</a:t>
+            </a:r>
+            <a:endParaRPr lang="en-US" dirty="0">
+              <a:effectLst/>
+            </a:endParaRPr>
+          </a:p>
+        </p:txBody>
+      </p:sp>
+    </p:spTree>
+    <p:extLst>
+      <p:ext uri="{BB962C8B-B14F-4D97-AF65-F5344CB8AC3E}">
+        <p14:creationId xmlns:p14="http://schemas.microsoft.com/office/powerpoint/2010/main" val="282695500"/>
+      </p:ext>
+    </p:extLst>
+  </p:cSld>
+  <p:clrMapOvr>
+    <a:masterClrMapping/>
+  </p:clrMapOvr>
+</p:sld>
+</file>
+
+<file path=ppt/slides/slide19.xml><?xml version="1.0" encoding="utf-8"?>
+<p:sld xmlns:a="http://schemas.openxmlformats.org/drawingml/2006/main" xmlns:r="http://schemas.openxmlformats.org/officeDocument/2006/relationships" xmlns:p="http://schemas.openxmlformats.org/presentationml/2006/main">
+  <p:cSld>
+    <p:bg>
+      <p:bgPr>
+        <a:solidFill>
+          <a:schemeClr val="tx1"/>
+        </a:solidFill>
+        <a:effectLst/>
+      </p:bgPr>
+    </p:bg>
+    <p:spTree>
+      <p:nvGrpSpPr>
+        <p:cNvPr id="1" name=""/>
+        <p:cNvGrpSpPr/>
+        <p:nvPr/>
+      </p:nvGrpSpPr>
+      <p:grpSpPr>
+        <a:xfrm>
+          <a:off x="0" y="0"/>
+          <a:ext cx="0" cy="0"/>
+          <a:chOff x="0" y="0"/>
+          <a:chExt cx="0" cy="0"/>
+        </a:xfrm>
+      </p:grpSpPr>
+      <p:pic>
+        <p:nvPicPr>
+          <p:cNvPr id="3" name="Picture 2">
+            <a:extLst>
+              <a:ext uri="{FF2B5EF4-FFF2-40B4-BE49-F238E27FC236}">
+                <a16:creationId xmlns:a16="http://schemas.microsoft.com/office/drawing/2014/main" id="{72C3C07A-6BA8-4B99-98D3-BC54CECEDC7B}"/>
+              </a:ext>
+            </a:extLst>
+          </p:cNvPr>
+          <p:cNvPicPr>
+            <a:picLocks noChangeAspect="1"/>
+          </p:cNvPicPr>
+          <p:nvPr/>
+        </p:nvPicPr>
+        <p:blipFill>
+          <a:blip r:embed="rId2"/>
+          <a:stretch>
+            <a:fillRect/>
+          </a:stretch>
+        </p:blipFill>
+        <p:spPr>
+          <a:xfrm>
+            <a:off x="1990725" y="128587"/>
+            <a:ext cx="8210550" cy="6600825"/>
           </a:xfrm>
           <a:prstGeom prst="rect">
             <a:avLst/>
@@ -3368,6 +4381,14 @@
 <file path=ppt/slides/slide2.xml><?xml version="1.0" encoding="utf-8"?>
 <p:sld xmlns:a="http://schemas.openxmlformats.org/drawingml/2006/main" xmlns:r="http://schemas.openxmlformats.org/officeDocument/2006/relationships" xmlns:p="http://schemas.openxmlformats.org/presentationml/2006/main">
   <p:cSld>
+    <p:bg>
+      <p:bgPr>
+        <a:solidFill>
+          <a:schemeClr val="tx1"/>
+        </a:solidFill>
+        <a:effectLst/>
+      </p:bgPr>
+    </p:bg>
     <p:spTree>
       <p:nvGrpSpPr>
         <p:cNvPr id="1" name=""/>
@@ -3382,10 +4403,986 @@
           <a:chExt cx="0" cy="0"/>
         </a:xfrm>
       </p:grpSpPr>
+      <p:pic>
+        <p:nvPicPr>
+          <p:cNvPr id="3" name="Picture 2">
+            <a:extLst>
+              <a:ext uri="{FF2B5EF4-FFF2-40B4-BE49-F238E27FC236}">
+                <a16:creationId xmlns:a16="http://schemas.microsoft.com/office/drawing/2014/main" id="{FDBDED02-98EE-4D0E-AB39-2820C23AC8FE}"/>
+              </a:ext>
+            </a:extLst>
+          </p:cNvPr>
+          <p:cNvPicPr>
+            <a:picLocks noChangeAspect="1"/>
+          </p:cNvPicPr>
+          <p:nvPr/>
+        </p:nvPicPr>
+        <p:blipFill>
+          <a:blip r:embed="rId2"/>
+          <a:stretch>
+            <a:fillRect/>
+          </a:stretch>
+        </p:blipFill>
+        <p:spPr>
+          <a:xfrm>
+            <a:off x="1152957" y="0"/>
+            <a:ext cx="9886085" cy="6858000"/>
+          </a:xfrm>
+          <a:prstGeom prst="rect">
+            <a:avLst/>
+          </a:prstGeom>
+        </p:spPr>
+      </p:pic>
     </p:spTree>
     <p:extLst>
       <p:ext uri="{BB962C8B-B14F-4D97-AF65-F5344CB8AC3E}">
-        <p14:creationId xmlns:p14="http://schemas.microsoft.com/office/powerpoint/2010/main" val="2844799649"/>
+        <p14:creationId xmlns:p14="http://schemas.microsoft.com/office/powerpoint/2010/main" val="2247292173"/>
+      </p:ext>
+    </p:extLst>
+  </p:cSld>
+  <p:clrMapOvr>
+    <a:masterClrMapping/>
+  </p:clrMapOvr>
+</p:sld>
+</file>
+
+<file path=ppt/slides/slide20.xml><?xml version="1.0" encoding="utf-8"?>
+<p:sld xmlns:a="http://schemas.openxmlformats.org/drawingml/2006/main" xmlns:r="http://schemas.openxmlformats.org/officeDocument/2006/relationships" xmlns:p="http://schemas.openxmlformats.org/presentationml/2006/main">
+  <p:cSld>
+    <p:bg>
+      <p:bgPr>
+        <a:solidFill>
+          <a:schemeClr val="tx1"/>
+        </a:solidFill>
+        <a:effectLst/>
+      </p:bgPr>
+    </p:bg>
+    <p:spTree>
+      <p:nvGrpSpPr>
+        <p:cNvPr id="1" name=""/>
+        <p:cNvGrpSpPr/>
+        <p:nvPr/>
+      </p:nvGrpSpPr>
+      <p:grpSpPr>
+        <a:xfrm>
+          <a:off x="0" y="0"/>
+          <a:ext cx="0" cy="0"/>
+          <a:chOff x="0" y="0"/>
+          <a:chExt cx="0" cy="0"/>
+        </a:xfrm>
+      </p:grpSpPr>
+      <p:sp>
+        <p:nvSpPr>
+          <p:cNvPr id="2" name="TextBox 1">
+            <a:extLst>
+              <a:ext uri="{FF2B5EF4-FFF2-40B4-BE49-F238E27FC236}">
+                <a16:creationId xmlns:a16="http://schemas.microsoft.com/office/drawing/2014/main" id="{2B4E6ECC-BE6C-49EB-9099-6CD9BFB6004E}"/>
+              </a:ext>
+            </a:extLst>
+          </p:cNvPr>
+          <p:cNvSpPr txBox="1"/>
+          <p:nvPr/>
+        </p:nvSpPr>
+        <p:spPr>
+          <a:xfrm>
+            <a:off x="2369127" y="335753"/>
+            <a:ext cx="7453745" cy="5909310"/>
+          </a:xfrm>
+          <a:prstGeom prst="rect">
+            <a:avLst/>
+          </a:prstGeom>
+          <a:noFill/>
+        </p:spPr>
+        <p:txBody>
+          <a:bodyPr wrap="square">
+            <a:spAutoFit/>
+          </a:bodyPr>
+          <a:lstStyle/>
+          <a:p>
+            <a:r>
+              <a:rPr lang="ru-RU" dirty="0">
+                <a:solidFill>
+                  <a:schemeClr val="accent6"/>
+                </a:solidFill>
+              </a:rPr>
+              <a:t>Следующий очевидный шаг – прикрутить со стороны заказчика ИИ-агента, а со стороны исполнителя ИИ-агента + тулинг (или фанкшн колинг, или </a:t>
+            </a:r>
+            <a:r>
+              <a:rPr lang="en-US" dirty="0">
+                <a:solidFill>
+                  <a:schemeClr val="accent6"/>
+                </a:solidFill>
+              </a:rPr>
+              <a:t>MCP</a:t>
+            </a:r>
+            <a:r>
+              <a:rPr lang="ru-RU" dirty="0">
+                <a:solidFill>
+                  <a:schemeClr val="accent6"/>
+                </a:solidFill>
+              </a:rPr>
+              <a:t>) + манипулятор</a:t>
+            </a:r>
+            <a:r>
+              <a:rPr lang="en-US" dirty="0">
+                <a:solidFill>
+                  <a:schemeClr val="accent6"/>
+                </a:solidFill>
+              </a:rPr>
+              <a:t>.</a:t>
+            </a:r>
+            <a:r>
+              <a:rPr lang="ru-RU" dirty="0">
+                <a:solidFill>
+                  <a:schemeClr val="accent6"/>
+                </a:solidFill>
+              </a:rPr>
+              <a:t> </a:t>
+            </a:r>
+          </a:p>
+          <a:p>
+            <a:endParaRPr lang="ru-RU" dirty="0">
+              <a:solidFill>
+                <a:schemeClr val="accent6"/>
+              </a:solidFill>
+            </a:endParaRPr>
+          </a:p>
+          <a:p>
+            <a:r>
+              <a:rPr lang="ru-RU" dirty="0">
+                <a:solidFill>
+                  <a:schemeClr val="accent6"/>
+                </a:solidFill>
+              </a:rPr>
+              <a:t>На стороне заказчика ИИ просматривает резюме исполнителей, насколько они соответствуют ТЗ. Находит, проводит переговоры, согласовывает условия, взаимодействует со смарт-контрактами. Оценивает отчёты исполнителей. Принимает решения – акцептовать, или открыть спор.</a:t>
+            </a:r>
+          </a:p>
+          <a:p>
+            <a:endParaRPr lang="ru-RU" dirty="0">
+              <a:solidFill>
+                <a:schemeClr val="accent6"/>
+              </a:solidFill>
+            </a:endParaRPr>
+          </a:p>
+          <a:p>
+            <a:r>
+              <a:rPr lang="ru-RU" dirty="0">
+                <a:solidFill>
+                  <a:schemeClr val="accent6"/>
+                </a:solidFill>
+              </a:rPr>
+              <a:t>На стороне исполнителя ИИ может читать ТЗ, вести переговоры (тем более, что эти переговоры могут быть предельно минималистичными и формализованными). Трансформировать ТЗ в реальное управление физическим манипулятором, который может реально нажимать кнопки на пульте. Формировать отчёт и отправлять заказчику.</a:t>
+            </a:r>
+          </a:p>
+          <a:p>
+            <a:endParaRPr lang="ru-RU" dirty="0">
+              <a:solidFill>
+                <a:schemeClr val="accent6"/>
+              </a:solidFill>
+            </a:endParaRPr>
+          </a:p>
+          <a:p>
+            <a:r>
+              <a:rPr lang="ru-RU" dirty="0">
+                <a:solidFill>
+                  <a:schemeClr val="accent6"/>
+                </a:solidFill>
+              </a:rPr>
+              <a:t>Понятно, что в нашем модельном мире весь обмен информацией между сторонами легко сводится к формированию и чтению простого, достаточно строго формализованного джейсона. Уже нынешние «нейронки» на ура с этим справляются, а немного погодя, всё будет ещё лучше.</a:t>
+            </a:r>
+            <a:endParaRPr lang="en-US" dirty="0">
+              <a:solidFill>
+                <a:schemeClr val="accent6"/>
+              </a:solidFill>
+            </a:endParaRPr>
+          </a:p>
+        </p:txBody>
+      </p:sp>
+    </p:spTree>
+    <p:extLst>
+      <p:ext uri="{BB962C8B-B14F-4D97-AF65-F5344CB8AC3E}">
+        <p14:creationId xmlns:p14="http://schemas.microsoft.com/office/powerpoint/2010/main" val="3883823043"/>
+      </p:ext>
+    </p:extLst>
+  </p:cSld>
+  <p:clrMapOvr>
+    <a:masterClrMapping/>
+  </p:clrMapOvr>
+</p:sld>
+</file>
+
+<file path=ppt/slides/slide21.xml><?xml version="1.0" encoding="utf-8"?>
+<p:sld xmlns:a="http://schemas.openxmlformats.org/drawingml/2006/main" xmlns:r="http://schemas.openxmlformats.org/officeDocument/2006/relationships" xmlns:p="http://schemas.openxmlformats.org/presentationml/2006/main">
+  <p:cSld>
+    <p:bg>
+      <p:bgPr>
+        <a:solidFill>
+          <a:schemeClr val="tx1"/>
+        </a:solidFill>
+        <a:effectLst/>
+      </p:bgPr>
+    </p:bg>
+    <p:spTree>
+      <p:nvGrpSpPr>
+        <p:cNvPr id="1" name=""/>
+        <p:cNvGrpSpPr/>
+        <p:nvPr/>
+      </p:nvGrpSpPr>
+      <p:grpSpPr>
+        <a:xfrm>
+          <a:off x="0" y="0"/>
+          <a:ext cx="0" cy="0"/>
+          <a:chOff x="0" y="0"/>
+          <a:chExt cx="0" cy="0"/>
+        </a:xfrm>
+      </p:grpSpPr>
+      <p:pic>
+        <p:nvPicPr>
+          <p:cNvPr id="5" name="Picture 4">
+            <a:extLst>
+              <a:ext uri="{FF2B5EF4-FFF2-40B4-BE49-F238E27FC236}">
+                <a16:creationId xmlns:a16="http://schemas.microsoft.com/office/drawing/2014/main" id="{07C0DC4A-6476-400D-80CD-000D7197EDAA}"/>
+              </a:ext>
+            </a:extLst>
+          </p:cNvPr>
+          <p:cNvPicPr>
+            <a:picLocks noChangeAspect="1"/>
+          </p:cNvPicPr>
+          <p:nvPr/>
+        </p:nvPicPr>
+        <p:blipFill>
+          <a:blip r:embed="rId2"/>
+          <a:stretch>
+            <a:fillRect/>
+          </a:stretch>
+        </p:blipFill>
+        <p:spPr>
+          <a:xfrm>
+            <a:off x="1370164" y="0"/>
+            <a:ext cx="9451672" cy="6858000"/>
+          </a:xfrm>
+          <a:prstGeom prst="rect">
+            <a:avLst/>
+          </a:prstGeom>
+        </p:spPr>
+      </p:pic>
+    </p:spTree>
+    <p:extLst>
+      <p:ext uri="{BB962C8B-B14F-4D97-AF65-F5344CB8AC3E}">
+        <p14:creationId xmlns:p14="http://schemas.microsoft.com/office/powerpoint/2010/main" val="2890406470"/>
+      </p:ext>
+    </p:extLst>
+  </p:cSld>
+  <p:clrMapOvr>
+    <a:masterClrMapping/>
+  </p:clrMapOvr>
+</p:sld>
+</file>
+
+<file path=ppt/slides/slide3.xml><?xml version="1.0" encoding="utf-8"?>
+<p:sld xmlns:a="http://schemas.openxmlformats.org/drawingml/2006/main" xmlns:r="http://schemas.openxmlformats.org/officeDocument/2006/relationships" xmlns:p="http://schemas.openxmlformats.org/presentationml/2006/main">
+  <p:cSld>
+    <p:bg>
+      <p:bgPr>
+        <a:solidFill>
+          <a:schemeClr val="tx1"/>
+        </a:solidFill>
+        <a:effectLst/>
+      </p:bgPr>
+    </p:bg>
+    <p:spTree>
+      <p:nvGrpSpPr>
+        <p:cNvPr id="1" name=""/>
+        <p:cNvGrpSpPr/>
+        <p:nvPr/>
+      </p:nvGrpSpPr>
+      <p:grpSpPr>
+        <a:xfrm>
+          <a:off x="0" y="0"/>
+          <a:ext cx="0" cy="0"/>
+          <a:chOff x="0" y="0"/>
+          <a:chExt cx="0" cy="0"/>
+        </a:xfrm>
+      </p:grpSpPr>
+      <p:sp>
+        <p:nvSpPr>
+          <p:cNvPr id="4" name="TextBox 3">
+            <a:extLst>
+              <a:ext uri="{FF2B5EF4-FFF2-40B4-BE49-F238E27FC236}">
+                <a16:creationId xmlns:a16="http://schemas.microsoft.com/office/drawing/2014/main" id="{AFF563C4-875D-4F51-A740-E26368423E03}"/>
+              </a:ext>
+            </a:extLst>
+          </p:cNvPr>
+          <p:cNvSpPr txBox="1"/>
+          <p:nvPr/>
+        </p:nvSpPr>
+        <p:spPr>
+          <a:xfrm>
+            <a:off x="3048000" y="236325"/>
+            <a:ext cx="6096000" cy="1754326"/>
+          </a:xfrm>
+          <a:prstGeom prst="rect">
+            <a:avLst/>
+          </a:prstGeom>
+          <a:noFill/>
+        </p:spPr>
+        <p:txBody>
+          <a:bodyPr wrap="square">
+            <a:spAutoFit/>
+          </a:bodyPr>
+          <a:lstStyle/>
+          <a:p>
+            <a:endParaRPr lang="en-US" dirty="0">
+              <a:solidFill>
+                <a:schemeClr val="accent6"/>
+              </a:solidFill>
+            </a:endParaRPr>
+          </a:p>
+          <a:p>
+            <a:r>
+              <a:rPr lang="ru-RU" dirty="0">
+                <a:solidFill>
+                  <a:schemeClr val="accent6"/>
+                </a:solidFill>
+              </a:rPr>
+              <a:t>Всё население планеты делится на две категории: те, кому нужно, чтобы кто-нибудь совершил для них работу (заказчики), и те, кто может совершить определённую работу (исполнители). Для одной персоны эти роли могут сколько угодно и как угодно меняться.</a:t>
+            </a:r>
+            <a:endParaRPr lang="en-US" dirty="0">
+              <a:solidFill>
+                <a:schemeClr val="accent6"/>
+              </a:solidFill>
+            </a:endParaRPr>
+          </a:p>
+        </p:txBody>
+      </p:sp>
+      <p:pic>
+        <p:nvPicPr>
+          <p:cNvPr id="6" name="Picture 5">
+            <a:extLst>
+              <a:ext uri="{FF2B5EF4-FFF2-40B4-BE49-F238E27FC236}">
+                <a16:creationId xmlns:a16="http://schemas.microsoft.com/office/drawing/2014/main" id="{37946A37-9D30-4645-B8D0-C3BDE489C59A}"/>
+              </a:ext>
+            </a:extLst>
+          </p:cNvPr>
+          <p:cNvPicPr>
+            <a:picLocks noChangeAspect="1"/>
+          </p:cNvPicPr>
+          <p:nvPr/>
+        </p:nvPicPr>
+        <p:blipFill>
+          <a:blip r:embed="rId2"/>
+          <a:stretch>
+            <a:fillRect/>
+          </a:stretch>
+        </p:blipFill>
+        <p:spPr>
+          <a:xfrm>
+            <a:off x="1457325" y="2163975"/>
+            <a:ext cx="9277350" cy="4457700"/>
+          </a:xfrm>
+          <a:prstGeom prst="rect">
+            <a:avLst/>
+          </a:prstGeom>
+        </p:spPr>
+      </p:pic>
+    </p:spTree>
+    <p:extLst>
+      <p:ext uri="{BB962C8B-B14F-4D97-AF65-F5344CB8AC3E}">
+        <p14:creationId xmlns:p14="http://schemas.microsoft.com/office/powerpoint/2010/main" val="1708739949"/>
+      </p:ext>
+    </p:extLst>
+  </p:cSld>
+  <p:clrMapOvr>
+    <a:masterClrMapping/>
+  </p:clrMapOvr>
+</p:sld>
+</file>
+
+<file path=ppt/slides/slide4.xml><?xml version="1.0" encoding="utf-8"?>
+<p:sld xmlns:a="http://schemas.openxmlformats.org/drawingml/2006/main" xmlns:r="http://schemas.openxmlformats.org/officeDocument/2006/relationships" xmlns:p="http://schemas.openxmlformats.org/presentationml/2006/main">
+  <p:cSld>
+    <p:bg>
+      <p:bgPr>
+        <a:solidFill>
+          <a:schemeClr val="tx1"/>
+        </a:solidFill>
+        <a:effectLst/>
+      </p:bgPr>
+    </p:bg>
+    <p:spTree>
+      <p:nvGrpSpPr>
+        <p:cNvPr id="1" name=""/>
+        <p:cNvGrpSpPr/>
+        <p:nvPr/>
+      </p:nvGrpSpPr>
+      <p:grpSpPr>
+        <a:xfrm>
+          <a:off x="0" y="0"/>
+          <a:ext cx="0" cy="0"/>
+          <a:chOff x="0" y="0"/>
+          <a:chExt cx="0" cy="0"/>
+        </a:xfrm>
+      </p:grpSpPr>
+      <p:sp>
+        <p:nvSpPr>
+          <p:cNvPr id="2" name="TextBox 1">
+            <a:extLst>
+              <a:ext uri="{FF2B5EF4-FFF2-40B4-BE49-F238E27FC236}">
+                <a16:creationId xmlns:a16="http://schemas.microsoft.com/office/drawing/2014/main" id="{980219CF-25AD-44E3-AB00-07C72B6F7090}"/>
+              </a:ext>
+            </a:extLst>
+          </p:cNvPr>
+          <p:cNvSpPr txBox="1"/>
+          <p:nvPr/>
+        </p:nvSpPr>
+        <p:spPr>
+          <a:xfrm>
+            <a:off x="3048000" y="1030652"/>
+            <a:ext cx="6096000" cy="4247317"/>
+          </a:xfrm>
+          <a:prstGeom prst="rect">
+            <a:avLst/>
+          </a:prstGeom>
+          <a:noFill/>
+        </p:spPr>
+        <p:txBody>
+          <a:bodyPr wrap="square">
+            <a:spAutoFit/>
+          </a:bodyPr>
+          <a:lstStyle/>
+          <a:p>
+            <a:r>
+              <a:rPr lang="ru-RU" dirty="0">
+                <a:solidFill>
+                  <a:schemeClr val="accent6"/>
+                </a:solidFill>
+              </a:rPr>
+              <a:t>Например, Джимми живёт и работает (в основном) под мостом в Нью-Йорке. Ему нужно, чтобы на пульте с номером 666 была нажата определённая комбинация клавиш. Он готов заплатить за эту работу определённую сумму в долларах США. В результате нажатия этой комбинации на этом пульте, должно начаться извержение вулкана Килауэа в Полинезии.</a:t>
+            </a:r>
+          </a:p>
+          <a:p>
+            <a:endParaRPr lang="ru-RU" dirty="0">
+              <a:solidFill>
+                <a:schemeClr val="accent6"/>
+              </a:solidFill>
+            </a:endParaRPr>
+          </a:p>
+          <a:p>
+            <a:r>
+              <a:rPr lang="ru-RU" dirty="0">
+                <a:solidFill>
+                  <a:schemeClr val="accent6"/>
+                </a:solidFill>
+              </a:rPr>
+              <a:t>Валентин живёт в Сыктывкаре. Работает в офисе, эффективным менеджером среднего звена. Именно в его офисе сейчас находится пульт номер 666. Валентин об этом знает. Умеет нажимать кнопки на этом пульте. Знает, что могут существовать заказы на нажимание кнопок на этом пульте, и что на этих заказах вполне можно срубить денег, если повезёт найти заказчика. </a:t>
+            </a:r>
+            <a:endParaRPr lang="en-US" dirty="0">
+              <a:solidFill>
+                <a:schemeClr val="accent6"/>
+              </a:solidFill>
+            </a:endParaRPr>
+          </a:p>
+        </p:txBody>
+      </p:sp>
+    </p:spTree>
+    <p:extLst>
+      <p:ext uri="{BB962C8B-B14F-4D97-AF65-F5344CB8AC3E}">
+        <p14:creationId xmlns:p14="http://schemas.microsoft.com/office/powerpoint/2010/main" val="4008033065"/>
+      </p:ext>
+    </p:extLst>
+  </p:cSld>
+  <p:clrMapOvr>
+    <a:masterClrMapping/>
+  </p:clrMapOvr>
+</p:sld>
+</file>
+
+<file path=ppt/slides/slide5.xml><?xml version="1.0" encoding="utf-8"?>
+<p:sld xmlns:a="http://schemas.openxmlformats.org/drawingml/2006/main" xmlns:r="http://schemas.openxmlformats.org/officeDocument/2006/relationships" xmlns:p="http://schemas.openxmlformats.org/presentationml/2006/main">
+  <p:cSld>
+    <p:bg>
+      <p:bgPr>
+        <a:solidFill>
+          <a:schemeClr val="tx1"/>
+        </a:solidFill>
+        <a:effectLst/>
+      </p:bgPr>
+    </p:bg>
+    <p:spTree>
+      <p:nvGrpSpPr>
+        <p:cNvPr id="1" name=""/>
+        <p:cNvGrpSpPr/>
+        <p:nvPr/>
+      </p:nvGrpSpPr>
+      <p:grpSpPr>
+        <a:xfrm>
+          <a:off x="0" y="0"/>
+          <a:ext cx="0" cy="0"/>
+          <a:chOff x="0" y="0"/>
+          <a:chExt cx="0" cy="0"/>
+        </a:xfrm>
+      </p:grpSpPr>
+      <p:pic>
+        <p:nvPicPr>
+          <p:cNvPr id="5" name="Picture 4">
+            <a:extLst>
+              <a:ext uri="{FF2B5EF4-FFF2-40B4-BE49-F238E27FC236}">
+                <a16:creationId xmlns:a16="http://schemas.microsoft.com/office/drawing/2014/main" id="{51510E81-C9F7-4191-838F-67E6481CB272}"/>
+              </a:ext>
+            </a:extLst>
+          </p:cNvPr>
+          <p:cNvPicPr>
+            <a:picLocks noChangeAspect="1"/>
+          </p:cNvPicPr>
+          <p:nvPr/>
+        </p:nvPicPr>
+        <p:blipFill>
+          <a:blip r:embed="rId2"/>
+          <a:stretch>
+            <a:fillRect/>
+          </a:stretch>
+        </p:blipFill>
+        <p:spPr>
+          <a:xfrm>
+            <a:off x="1237074" y="0"/>
+            <a:ext cx="9717852" cy="6858000"/>
+          </a:xfrm>
+          <a:prstGeom prst="rect">
+            <a:avLst/>
+          </a:prstGeom>
+        </p:spPr>
+      </p:pic>
+    </p:spTree>
+    <p:extLst>
+      <p:ext uri="{BB962C8B-B14F-4D97-AF65-F5344CB8AC3E}">
+        <p14:creationId xmlns:p14="http://schemas.microsoft.com/office/powerpoint/2010/main" val="4002803991"/>
+      </p:ext>
+    </p:extLst>
+  </p:cSld>
+  <p:clrMapOvr>
+    <a:masterClrMapping/>
+  </p:clrMapOvr>
+</p:sld>
+</file>
+
+<file path=ppt/slides/slide6.xml><?xml version="1.0" encoding="utf-8"?>
+<p:sld xmlns:a="http://schemas.openxmlformats.org/drawingml/2006/main" xmlns:r="http://schemas.openxmlformats.org/officeDocument/2006/relationships" xmlns:p="http://schemas.openxmlformats.org/presentationml/2006/main">
+  <p:cSld>
+    <p:bg>
+      <p:bgPr>
+        <a:solidFill>
+          <a:schemeClr val="tx1"/>
+        </a:solidFill>
+        <a:effectLst/>
+      </p:bgPr>
+    </p:bg>
+    <p:spTree>
+      <p:nvGrpSpPr>
+        <p:cNvPr id="1" name=""/>
+        <p:cNvGrpSpPr/>
+        <p:nvPr/>
+      </p:nvGrpSpPr>
+      <p:grpSpPr>
+        <a:xfrm>
+          <a:off x="0" y="0"/>
+          <a:ext cx="0" cy="0"/>
+          <a:chOff x="0" y="0"/>
+          <a:chExt cx="0" cy="0"/>
+        </a:xfrm>
+      </p:grpSpPr>
+      <p:sp>
+        <p:nvSpPr>
+          <p:cNvPr id="4" name="TextBox 3">
+            <a:extLst>
+              <a:ext uri="{FF2B5EF4-FFF2-40B4-BE49-F238E27FC236}">
+                <a16:creationId xmlns:a16="http://schemas.microsoft.com/office/drawing/2014/main" id="{383DB0DB-4915-4898-A353-3D0174EDCCAC}"/>
+              </a:ext>
+            </a:extLst>
+          </p:cNvPr>
+          <p:cNvSpPr txBox="1"/>
+          <p:nvPr/>
+        </p:nvSpPr>
+        <p:spPr>
+          <a:xfrm>
+            <a:off x="2119745" y="455872"/>
+            <a:ext cx="7952510" cy="5909310"/>
+          </a:xfrm>
+          <a:prstGeom prst="rect">
+            <a:avLst/>
+          </a:prstGeom>
+          <a:noFill/>
+        </p:spPr>
+        <p:txBody>
+          <a:bodyPr wrap="square">
+            <a:spAutoFit/>
+          </a:bodyPr>
+          <a:lstStyle/>
+          <a:p>
+            <a:r>
+              <a:rPr lang="ru-RU" dirty="0">
+                <a:solidFill>
+                  <a:schemeClr val="accent6"/>
+                </a:solidFill>
+              </a:rPr>
+              <a:t>Очевидно, что интересы Джимми и Валентина совпадают. Как им найти друг друга к обоюдной пользе?</a:t>
+            </a:r>
+          </a:p>
+          <a:p>
+            <a:endParaRPr lang="ru-RU" dirty="0">
+              <a:solidFill>
+                <a:schemeClr val="accent6"/>
+              </a:solidFill>
+            </a:endParaRPr>
+          </a:p>
+          <a:p>
+            <a:r>
+              <a:rPr lang="ru-RU" dirty="0">
+                <a:solidFill>
+                  <a:schemeClr val="accent6"/>
+                </a:solidFill>
+              </a:rPr>
+              <a:t>Варианты:</a:t>
+            </a:r>
+          </a:p>
+          <a:p>
+            <a:endParaRPr lang="ru-RU" dirty="0">
+              <a:solidFill>
+                <a:schemeClr val="accent6"/>
+              </a:solidFill>
+            </a:endParaRPr>
+          </a:p>
+          <a:p>
+            <a:pPr marL="342900" indent="-342900">
+              <a:buAutoNum type="arabicPeriod"/>
+            </a:pPr>
+            <a:r>
+              <a:rPr lang="ru-RU" dirty="0">
+                <a:solidFill>
+                  <a:schemeClr val="accent6"/>
+                </a:solidFill>
+              </a:rPr>
+              <a:t>Джимми создал профиль с описанием проекта на Linkedin. Валентин разместил резюме на Хедхантере. Они прожили всю жизнь и умерли так никогда и не узнав о существовании друг друга.</a:t>
+            </a:r>
+          </a:p>
+          <a:p>
+            <a:pPr marL="342900" indent="-342900">
+              <a:buAutoNum type="arabicPeriod"/>
+            </a:pPr>
+            <a:endParaRPr lang="ru-RU" dirty="0">
+              <a:solidFill>
+                <a:schemeClr val="accent6"/>
+              </a:solidFill>
+            </a:endParaRPr>
+          </a:p>
+          <a:p>
+            <a:pPr marL="342900" indent="-342900">
+              <a:buAutoNum type="arabicPeriod"/>
+            </a:pPr>
+            <a:r>
+              <a:rPr lang="ru-RU" dirty="0">
+                <a:solidFill>
+                  <a:schemeClr val="accent6"/>
+                </a:solidFill>
+              </a:rPr>
+              <a:t> Джимми создал профиль с описанием проекта на Linkedin, но решил почитать ещё и Хедхантер (с Гугл-переводчиком). Нашёл профиль Валентина и подумал: "Оу. Это же круто! Этот парень - ровно то, что мне надо!  Завтра напишу ему." Но назавтра оказалось, что Роскомнадзор заблокировал Хедхантер, все профили удалены, весь персонал сидит в тюрьме, а мозги генерального директора Хедхантера в виде заливного, приправленного зелёным горошком, подали утром на завтрак начальнику охранки. Валентин переразместил свой профиль на Хабр-фриланс. Джимми искал его весь остаток своей жизни на разных маркетплейсах и в социальных сетях, но так и не нашёл. Потому что о существовании Хабр-фриланс он не знал и ему никто не подсказал. </a:t>
+            </a:r>
+          </a:p>
+          <a:p>
+            <a:endParaRPr lang="en-US" dirty="0">
+              <a:solidFill>
+                <a:schemeClr val="accent6"/>
+              </a:solidFill>
+            </a:endParaRPr>
+          </a:p>
+        </p:txBody>
+      </p:sp>
+    </p:spTree>
+    <p:extLst>
+      <p:ext uri="{BB962C8B-B14F-4D97-AF65-F5344CB8AC3E}">
+        <p14:creationId xmlns:p14="http://schemas.microsoft.com/office/powerpoint/2010/main" val="1696595201"/>
+      </p:ext>
+    </p:extLst>
+  </p:cSld>
+  <p:clrMapOvr>
+    <a:masterClrMapping/>
+  </p:clrMapOvr>
+</p:sld>
+</file>
+
+<file path=ppt/slides/slide7.xml><?xml version="1.0" encoding="utf-8"?>
+<p:sld xmlns:a="http://schemas.openxmlformats.org/drawingml/2006/main" xmlns:r="http://schemas.openxmlformats.org/officeDocument/2006/relationships" xmlns:p="http://schemas.openxmlformats.org/presentationml/2006/main">
+  <p:cSld>
+    <p:bg>
+      <p:bgPr>
+        <a:solidFill>
+          <a:schemeClr val="tx1"/>
+        </a:solidFill>
+        <a:effectLst/>
+      </p:bgPr>
+    </p:bg>
+    <p:spTree>
+      <p:nvGrpSpPr>
+        <p:cNvPr id="1" name=""/>
+        <p:cNvGrpSpPr/>
+        <p:nvPr/>
+      </p:nvGrpSpPr>
+      <p:grpSpPr>
+        <a:xfrm>
+          <a:off x="0" y="0"/>
+          <a:ext cx="0" cy="0"/>
+          <a:chOff x="0" y="0"/>
+          <a:chExt cx="0" cy="0"/>
+        </a:xfrm>
+      </p:grpSpPr>
+      <p:sp>
+        <p:nvSpPr>
+          <p:cNvPr id="2" name="TextBox 1">
+            <a:extLst>
+              <a:ext uri="{FF2B5EF4-FFF2-40B4-BE49-F238E27FC236}">
+                <a16:creationId xmlns:a16="http://schemas.microsoft.com/office/drawing/2014/main" id="{2B4E6ECC-BE6C-49EB-9099-6CD9BFB6004E}"/>
+              </a:ext>
+            </a:extLst>
+          </p:cNvPr>
+          <p:cNvSpPr txBox="1"/>
+          <p:nvPr/>
+        </p:nvSpPr>
+        <p:spPr>
+          <a:xfrm>
+            <a:off x="3048000" y="1030652"/>
+            <a:ext cx="6096000" cy="4247317"/>
+          </a:xfrm>
+          <a:prstGeom prst="rect">
+            <a:avLst/>
+          </a:prstGeom>
+          <a:noFill/>
+        </p:spPr>
+        <p:txBody>
+          <a:bodyPr wrap="square">
+            <a:spAutoFit/>
+          </a:bodyPr>
+          <a:lstStyle/>
+          <a:p>
+            <a:r>
+              <a:rPr lang="ru-RU" dirty="0">
+                <a:solidFill>
+                  <a:schemeClr val="accent6"/>
+                </a:solidFill>
+              </a:rPr>
+              <a:t>3. Валентин разместил резюме на Хедхантере и на Linkedin. Они с Джимми нашли дуг-друга. Договорились о всех условиях сделки, но оказалось, что Джимми не может просто так заплатить Валентину. Чтобы это стало возможно, нужно зарегистрировать совместное Американо-российское предприятие, один раз в Штатах и ещё один раз в РФ. И там, и там нужно открыть счета в банках. Заплатить налоги. А деньги переводить через офшор на Каймановых островах, потому что отключение от Свифта и санкции.</a:t>
+            </a:r>
+          </a:p>
+          <a:p>
+            <a:endParaRPr lang="ru-RU" dirty="0">
+              <a:solidFill>
+                <a:schemeClr val="accent6"/>
+              </a:solidFill>
+            </a:endParaRPr>
+          </a:p>
+          <a:p>
+            <a:r>
+              <a:rPr lang="ru-RU" dirty="0">
+                <a:solidFill>
+                  <a:schemeClr val="accent6"/>
+                </a:solidFill>
+              </a:rPr>
+              <a:t>И всё бы ничего. Не так всё это страшно и сложно. Но возникла ещё одна маленькая проблема: Джимми не пускают в банки и учреждения, потому что секьюрики повсеместно считают, что он недостаточно красивый и плохо пахнет.</a:t>
+            </a:r>
+            <a:endParaRPr lang="en-US" dirty="0">
+              <a:solidFill>
+                <a:schemeClr val="accent6"/>
+              </a:solidFill>
+            </a:endParaRPr>
+          </a:p>
+        </p:txBody>
+      </p:sp>
+    </p:spTree>
+    <p:extLst>
+      <p:ext uri="{BB962C8B-B14F-4D97-AF65-F5344CB8AC3E}">
+        <p14:creationId xmlns:p14="http://schemas.microsoft.com/office/powerpoint/2010/main" val="2178439202"/>
+      </p:ext>
+    </p:extLst>
+  </p:cSld>
+  <p:clrMapOvr>
+    <a:masterClrMapping/>
+  </p:clrMapOvr>
+</p:sld>
+</file>
+
+<file path=ppt/slides/slide8.xml><?xml version="1.0" encoding="utf-8"?>
+<p:sld xmlns:a="http://schemas.openxmlformats.org/drawingml/2006/main" xmlns:r="http://schemas.openxmlformats.org/officeDocument/2006/relationships" xmlns:p="http://schemas.openxmlformats.org/presentationml/2006/main">
+  <p:cSld>
+    <p:bg>
+      <p:bgPr>
+        <a:solidFill>
+          <a:schemeClr val="tx1"/>
+        </a:solidFill>
+        <a:effectLst/>
+      </p:bgPr>
+    </p:bg>
+    <p:spTree>
+      <p:nvGrpSpPr>
+        <p:cNvPr id="1" name=""/>
+        <p:cNvGrpSpPr/>
+        <p:nvPr/>
+      </p:nvGrpSpPr>
+      <p:grpSpPr>
+        <a:xfrm>
+          <a:off x="0" y="0"/>
+          <a:ext cx="0" cy="0"/>
+          <a:chOff x="0" y="0"/>
+          <a:chExt cx="0" cy="0"/>
+        </a:xfrm>
+      </p:grpSpPr>
+      <p:pic>
+        <p:nvPicPr>
+          <p:cNvPr id="3" name="Picture 2">
+            <a:extLst>
+              <a:ext uri="{FF2B5EF4-FFF2-40B4-BE49-F238E27FC236}">
+                <a16:creationId xmlns:a16="http://schemas.microsoft.com/office/drawing/2014/main" id="{AB73CDD8-C718-414A-91AB-87E71F1A0AE6}"/>
+              </a:ext>
+            </a:extLst>
+          </p:cNvPr>
+          <p:cNvPicPr>
+            <a:picLocks noChangeAspect="1"/>
+          </p:cNvPicPr>
+          <p:nvPr/>
+        </p:nvPicPr>
+        <p:blipFill>
+          <a:blip r:embed="rId2"/>
+          <a:stretch>
+            <a:fillRect/>
+          </a:stretch>
+        </p:blipFill>
+        <p:spPr>
+          <a:xfrm>
+            <a:off x="862012" y="471487"/>
+            <a:ext cx="10467975" cy="5915025"/>
+          </a:xfrm>
+          <a:prstGeom prst="rect">
+            <a:avLst/>
+          </a:prstGeom>
+        </p:spPr>
+      </p:pic>
+    </p:spTree>
+    <p:extLst>
+      <p:ext uri="{BB962C8B-B14F-4D97-AF65-F5344CB8AC3E}">
+        <p14:creationId xmlns:p14="http://schemas.microsoft.com/office/powerpoint/2010/main" val="3385956865"/>
+      </p:ext>
+    </p:extLst>
+  </p:cSld>
+  <p:clrMapOvr>
+    <a:masterClrMapping/>
+  </p:clrMapOvr>
+</p:sld>
+</file>
+
+<file path=ppt/slides/slide9.xml><?xml version="1.0" encoding="utf-8"?>
+<p:sld xmlns:a="http://schemas.openxmlformats.org/drawingml/2006/main" xmlns:r="http://schemas.openxmlformats.org/officeDocument/2006/relationships" xmlns:p="http://schemas.openxmlformats.org/presentationml/2006/main">
+  <p:cSld>
+    <p:bg>
+      <p:bgPr>
+        <a:solidFill>
+          <a:schemeClr val="tx1"/>
+        </a:solidFill>
+        <a:effectLst/>
+      </p:bgPr>
+    </p:bg>
+    <p:spTree>
+      <p:nvGrpSpPr>
+        <p:cNvPr id="1" name=""/>
+        <p:cNvGrpSpPr/>
+        <p:nvPr/>
+      </p:nvGrpSpPr>
+      <p:grpSpPr>
+        <a:xfrm>
+          <a:off x="0" y="0"/>
+          <a:ext cx="0" cy="0"/>
+          <a:chOff x="0" y="0"/>
+          <a:chExt cx="0" cy="0"/>
+        </a:xfrm>
+      </p:grpSpPr>
+      <p:sp>
+        <p:nvSpPr>
+          <p:cNvPr id="2" name="TextBox 1">
+            <a:extLst>
+              <a:ext uri="{FF2B5EF4-FFF2-40B4-BE49-F238E27FC236}">
+                <a16:creationId xmlns:a16="http://schemas.microsoft.com/office/drawing/2014/main" id="{2B4E6ECC-BE6C-49EB-9099-6CD9BFB6004E}"/>
+              </a:ext>
+            </a:extLst>
+          </p:cNvPr>
+          <p:cNvSpPr txBox="1"/>
+          <p:nvPr/>
+        </p:nvSpPr>
+        <p:spPr>
+          <a:xfrm>
+            <a:off x="2369127" y="513416"/>
+            <a:ext cx="7453745" cy="5909310"/>
+          </a:xfrm>
+          <a:prstGeom prst="rect">
+            <a:avLst/>
+          </a:prstGeom>
+          <a:noFill/>
+        </p:spPr>
+        <p:txBody>
+          <a:bodyPr wrap="square">
+            <a:spAutoFit/>
+          </a:bodyPr>
+          <a:lstStyle/>
+          <a:p>
+            <a:r>
+              <a:rPr lang="ru-RU" dirty="0">
+                <a:solidFill>
+                  <a:schemeClr val="accent6"/>
+                </a:solidFill>
+              </a:rPr>
+              <a:t>Однако, Джимми и Валентин прошли все круги этого Ада. Джимми взял свою любимую жестянку из под мармелада, насшибал достаточно мелочи возле банкомата по соседству. Купил кусок мыла. Помылся в реке, тут же у себя, под мостом. Удобно. Всё устроил, всё организовал. Переслал Валентину точное описание последовательности нажатий. Валентин отчитался о проделанной работе. Джимми перевёл деньги и сел ждать извержение. А извержения нет как нет.</a:t>
+            </a:r>
+          </a:p>
+          <a:p>
+            <a:endParaRPr lang="ru-RU" dirty="0">
+              <a:solidFill>
+                <a:schemeClr val="accent6"/>
+              </a:solidFill>
+            </a:endParaRPr>
+          </a:p>
+          <a:p>
+            <a:r>
+              <a:rPr lang="ru-RU" dirty="0">
+                <a:solidFill>
+                  <a:schemeClr val="accent6"/>
+                </a:solidFill>
+              </a:rPr>
+              <a:t>Джимми пишет: Валентин, чо за дела? Валентин отвечает: Я всё сделал, как было сказано. Вот видеофиксация нажатия кнопок. Джимми просматривает видеофиксацию, обливается холодным потом и пишет Валентину: Фак ю, Валентин! Фак зе вхолл ё Сыктывкар уиз ю! Ты же держишь пульт вверх ногами! У тебя пульт номер 999, а не 666. Понимаешь! Мне нужен, был, 666, а у тебя 999. Верни мне май факинг мани бэк!</a:t>
+            </a:r>
+          </a:p>
+          <a:p>
+            <a:endParaRPr lang="ru-RU" dirty="0">
+              <a:solidFill>
+                <a:schemeClr val="accent6"/>
+              </a:solidFill>
+            </a:endParaRPr>
+          </a:p>
+          <a:p>
+            <a:r>
+              <a:rPr lang="ru-RU" dirty="0">
+                <a:solidFill>
+                  <a:schemeClr val="accent6"/>
+                </a:solidFill>
+              </a:rPr>
+              <a:t>Валентин сливается. Джимми долго пытается его найти. Дело даже не в деньгах. Он просто хочет ещё раз посмотреть ему в глаза и сказать всё, что он о нём думает. Ну и деньги, в принципе, тоже неплохо было бы вернуть. Но найти Валентина никак не получается, и Джимми бросает это безнадёжное дело</a:t>
+            </a:r>
+            <a:endParaRPr lang="en-US" dirty="0">
+              <a:solidFill>
+                <a:schemeClr val="accent6"/>
+              </a:solidFill>
+            </a:endParaRPr>
+          </a:p>
+        </p:txBody>
+      </p:sp>
+    </p:spTree>
+    <p:extLst>
+      <p:ext uri="{BB962C8B-B14F-4D97-AF65-F5344CB8AC3E}">
+        <p14:creationId xmlns:p14="http://schemas.microsoft.com/office/powerpoint/2010/main" val="1369501651"/>
       </p:ext>
     </p:extLst>
   </p:cSld>
